--- a/PrjPhase3/Adaptive LED Strip.pptx
+++ b/PrjPhase3/Adaptive LED Strip.pptx
@@ -10,7 +10,9 @@
     <p:sldId id="258" r:id="rId4"/>
     <p:sldId id="259" r:id="rId5"/>
     <p:sldId id="260" r:id="rId6"/>
-    <p:sldId id="261" r:id="rId7"/>
+    <p:sldId id="262" r:id="rId7"/>
+    <p:sldId id="261" r:id="rId8"/>
+    <p:sldId id="263" r:id="rId9"/>
   </p:sldIdLst>
   <p:sldSz cx="12192000" cy="6858000"/>
   <p:notesSz cx="6858000" cy="9144000"/>
@@ -109,7 +111,71 @@
       </a:defRPr>
     </a:lvl9pPr>
   </p:defaultTextStyle>
+  <p:extLst>
+    <p:ext uri="{EFAFB233-063F-42B5-8137-9DF3F51BA10A}">
+      <p15:sldGuideLst xmlns:p15="http://schemas.microsoft.com/office/powerpoint/2012/main"/>
+    </p:ext>
+  </p:extLst>
 </p:presentation>
+</file>
+
+<file path=ppt/changesInfos/changesInfo1.xml><?xml version="1.0" encoding="utf-8"?>
+<pc:chgInfo xmlns:a="http://schemas.openxmlformats.org/drawingml/2006/main" xmlns:r="http://schemas.openxmlformats.org/officeDocument/2006/relationships" xmlns:ac="http://schemas.microsoft.com/office/drawing/2013/main/command" xmlns:pc="http://schemas.microsoft.com/office/powerpoint/2013/main/command">
+  <pc:docChgLst>
+    <pc:chgData name="Aidan Cioppa" userId="20366366456_tp_box_2" providerId="OAuth2" clId="{5CCC6DDB-256E-4554-9AAC-9F3DDC3B4F81}"/>
+    <pc:docChg chg="custSel addSld modSld sldOrd">
+      <pc:chgData name="Aidan Cioppa" userId="20366366456_tp_box_2" providerId="OAuth2" clId="{5CCC6DDB-256E-4554-9AAC-9F3DDC3B4F81}" dt="2025-12-02T18:41:50.205" v="755" actId="20577"/>
+      <pc:docMkLst>
+        <pc:docMk/>
+      </pc:docMkLst>
+      <pc:sldChg chg="modSp mod">
+        <pc:chgData name="Aidan Cioppa" userId="20366366456_tp_box_2" providerId="OAuth2" clId="{5CCC6DDB-256E-4554-9AAC-9F3DDC3B4F81}" dt="2025-12-02T18:41:04.502" v="674" actId="313"/>
+        <pc:sldMkLst>
+          <pc:docMk/>
+          <pc:sldMk cId="940088511" sldId="261"/>
+        </pc:sldMkLst>
+        <pc:spChg chg="mod">
+          <ac:chgData name="Aidan Cioppa" userId="20366366456_tp_box_2" providerId="OAuth2" clId="{5CCC6DDB-256E-4554-9AAC-9F3DDC3B4F81}" dt="2025-12-02T18:41:04.502" v="674" actId="313"/>
+          <ac:spMkLst>
+            <pc:docMk/>
+            <pc:sldMk cId="940088511" sldId="261"/>
+            <ac:spMk id="3" creationId="{B2945DB5-CDF0-6CC4-BC5A-76A6BB3C09A1}"/>
+          </ac:spMkLst>
+        </pc:spChg>
+      </pc:sldChg>
+      <pc:sldChg chg="modSp add mod ord">
+        <pc:chgData name="Aidan Cioppa" userId="20366366456_tp_box_2" providerId="OAuth2" clId="{5CCC6DDB-256E-4554-9AAC-9F3DDC3B4F81}" dt="2025-12-02T18:39:26.256" v="476"/>
+        <pc:sldMkLst>
+          <pc:docMk/>
+          <pc:sldMk cId="2567889333" sldId="262"/>
+        </pc:sldMkLst>
+        <pc:spChg chg="mod">
+          <ac:chgData name="Aidan Cioppa" userId="20366366456_tp_box_2" providerId="OAuth2" clId="{5CCC6DDB-256E-4554-9AAC-9F3DDC3B4F81}" dt="2025-12-02T18:39:15.110" v="474" actId="20577"/>
+          <ac:spMkLst>
+            <pc:docMk/>
+            <pc:sldMk cId="2567889333" sldId="262"/>
+            <ac:spMk id="3" creationId="{615864DB-5339-2BA6-B336-E8A46B8B2078}"/>
+          </ac:spMkLst>
+        </pc:spChg>
+      </pc:sldChg>
+      <pc:sldChg chg="modSp add mod">
+        <pc:chgData name="Aidan Cioppa" userId="20366366456_tp_box_2" providerId="OAuth2" clId="{5CCC6DDB-256E-4554-9AAC-9F3DDC3B4F81}" dt="2025-12-02T18:41:50.205" v="755" actId="20577"/>
+        <pc:sldMkLst>
+          <pc:docMk/>
+          <pc:sldMk cId="111617555" sldId="263"/>
+        </pc:sldMkLst>
+        <pc:spChg chg="mod">
+          <ac:chgData name="Aidan Cioppa" userId="20366366456_tp_box_2" providerId="OAuth2" clId="{5CCC6DDB-256E-4554-9AAC-9F3DDC3B4F81}" dt="2025-12-02T18:41:50.205" v="755" actId="20577"/>
+          <ac:spMkLst>
+            <pc:docMk/>
+            <pc:sldMk cId="111617555" sldId="263"/>
+            <ac:spMk id="3" creationId="{3E62296A-AF24-8E1B-58F1-B6BD282D727C}"/>
+          </ac:spMkLst>
+        </pc:spChg>
+      </pc:sldChg>
+    </pc:docChg>
+  </pc:docChgLst>
+</pc:chgInfo>
 </file>
 
 <file path=ppt/slideLayouts/slideLayout1.xml><?xml version="1.0" encoding="utf-8"?>
@@ -4337,6 +4403,116 @@
   <p:cSld>
     <p:spTree>
       <p:nvGrpSpPr>
+        <p:cNvPr id="1" name="">
+          <a:extLst>
+            <a:ext uri="{FF2B5EF4-FFF2-40B4-BE49-F238E27FC236}">
+              <a16:creationId xmlns:a16="http://schemas.microsoft.com/office/drawing/2014/main" id="{C420E96B-CFB3-6E6F-63D4-C36D7FA0C840}"/>
+            </a:ext>
+          </a:extLst>
+        </p:cNvPr>
+        <p:cNvGrpSpPr/>
+        <p:nvPr/>
+      </p:nvGrpSpPr>
+      <p:grpSpPr>
+        <a:xfrm>
+          <a:off x="0" y="0"/>
+          <a:ext cx="0" cy="0"/>
+          <a:chOff x="0" y="0"/>
+          <a:chExt cx="0" cy="0"/>
+        </a:xfrm>
+      </p:grpSpPr>
+      <p:sp>
+        <p:nvSpPr>
+          <p:cNvPr id="2" name="Title 1">
+            <a:extLst>
+              <a:ext uri="{FF2B5EF4-FFF2-40B4-BE49-F238E27FC236}">
+                <a16:creationId xmlns:a16="http://schemas.microsoft.com/office/drawing/2014/main" id="{CD13B015-6B6C-9299-C72A-FA19FDA24D12}"/>
+              </a:ext>
+            </a:extLst>
+          </p:cNvPr>
+          <p:cNvSpPr>
+            <a:spLocks noGrp="1"/>
+          </p:cNvSpPr>
+          <p:nvPr>
+            <p:ph type="title"/>
+          </p:nvPr>
+        </p:nvSpPr>
+        <p:spPr/>
+        <p:txBody>
+          <a:bodyPr/>
+          <a:lstStyle/>
+          <a:p>
+            <a:r>
+              <a:rPr lang="en-US" dirty="0"/>
+              <a:t>Future improvements</a:t>
+            </a:r>
+          </a:p>
+        </p:txBody>
+      </p:sp>
+      <p:sp>
+        <p:nvSpPr>
+          <p:cNvPr id="3" name="Content Placeholder 2">
+            <a:extLst>
+              <a:ext uri="{FF2B5EF4-FFF2-40B4-BE49-F238E27FC236}">
+                <a16:creationId xmlns:a16="http://schemas.microsoft.com/office/drawing/2014/main" id="{615864DB-5339-2BA6-B336-E8A46B8B2078}"/>
+              </a:ext>
+            </a:extLst>
+          </p:cNvPr>
+          <p:cNvSpPr>
+            <a:spLocks noGrp="1"/>
+          </p:cNvSpPr>
+          <p:nvPr>
+            <p:ph idx="1"/>
+          </p:nvPr>
+        </p:nvSpPr>
+        <p:spPr/>
+        <p:txBody>
+          <a:bodyPr/>
+          <a:lstStyle/>
+          <a:p>
+            <a:pPr marL="0" indent="0">
+              <a:buNone/>
+            </a:pPr>
+            <a:r>
+              <a:rPr lang="en-US" dirty="0"/>
+              <a:t>Color toggling has begun to be implemented in the codebase. We would like to expand the available color options to toggle through</a:t>
+            </a:r>
+          </a:p>
+          <a:p>
+            <a:pPr marL="0" indent="0">
+              <a:buNone/>
+            </a:pPr>
+            <a:endParaRPr lang="en-US" dirty="0"/>
+          </a:p>
+          <a:p>
+            <a:pPr marL="0" indent="0">
+              <a:buNone/>
+            </a:pPr>
+            <a:r>
+              <a:rPr lang="en-US" dirty="0"/>
+              <a:t>Currently the strip is defaulted to red, within the color toggle prototype, the strip will rotate between red, blue, and purple, with each toggle. There is no option to turn strip off however this could be added by having one of the “colors” in the rotation be black (off)</a:t>
+            </a:r>
+          </a:p>
+        </p:txBody>
+      </p:sp>
+    </p:spTree>
+    <p:extLst>
+      <p:ext uri="{BB962C8B-B14F-4D97-AF65-F5344CB8AC3E}">
+        <p14:creationId xmlns:p14="http://schemas.microsoft.com/office/powerpoint/2010/main" val="2567889333"/>
+      </p:ext>
+    </p:extLst>
+  </p:cSld>
+  <p:clrMapOvr>
+    <a:masterClrMapping/>
+  </p:clrMapOvr>
+</p:sld>
+</file>
+
+<file path=ppt/slides/slide7.xml><?xml version="1.0" encoding="utf-8"?>
+<p:sld xmlns:a="http://schemas.openxmlformats.org/drawingml/2006/main" xmlns:r="http://schemas.openxmlformats.org/officeDocument/2006/relationships" xmlns:p="http://schemas.openxmlformats.org/presentationml/2006/main">
+  <p:cSld>
+    <p:spTree>
+      <p:nvGrpSpPr>
         <p:cNvPr id="1" name=""/>
         <p:cNvGrpSpPr/>
         <p:nvPr/>
@@ -4403,25 +4579,7 @@
             </a:pPr>
             <a:r>
               <a:rPr lang="en-US" dirty="0"/>
-              <a:t>Color toggling has begun to be implemented in the codebase. We would like to expand the available color options to toggle through.</a:t>
-            </a:r>
-          </a:p>
-          <a:p>
-            <a:pPr marL="0" indent="0">
-              <a:buNone/>
-            </a:pPr>
-            <a:r>
-              <a:rPr lang="en-US" dirty="0"/>
-              <a:t>After that is implemented, we would look into a sensor that would allow for real time color selection, so you do not need to re-code a new color option. This might take the form of removing on/off toggling but would take some experimenting to figure out what is feasible.</a:t>
-            </a:r>
-          </a:p>
-          <a:p>
-            <a:pPr marL="0" indent="0">
-              <a:buNone/>
-            </a:pPr>
-            <a:r>
-              <a:rPr lang="en-US" dirty="0"/>
-              <a:t>Additional features could include a color change along with brightness change dependent on the room brightness </a:t>
+              <a:t>After that is implemented, we would look into a sensor that would allow for real time color selection, so you do not need to re-code a new color option. This would likely require a sensor with more precise I/O capabilities but the convenience of adjusting color without having to hard code it in would be fun to investigate</a:t>
             </a:r>
           </a:p>
         </p:txBody>
@@ -4430,6 +4588,129 @@
     <p:extLst>
       <p:ext uri="{BB962C8B-B14F-4D97-AF65-F5344CB8AC3E}">
         <p14:creationId xmlns:p14="http://schemas.microsoft.com/office/powerpoint/2010/main" val="940088511"/>
+      </p:ext>
+    </p:extLst>
+  </p:cSld>
+  <p:clrMapOvr>
+    <a:masterClrMapping/>
+  </p:clrMapOvr>
+</p:sld>
+</file>
+
+<file path=ppt/slides/slide8.xml><?xml version="1.0" encoding="utf-8"?>
+<p:sld xmlns:a="http://schemas.openxmlformats.org/drawingml/2006/main" xmlns:r="http://schemas.openxmlformats.org/officeDocument/2006/relationships" xmlns:p="http://schemas.openxmlformats.org/presentationml/2006/main">
+  <p:cSld>
+    <p:spTree>
+      <p:nvGrpSpPr>
+        <p:cNvPr id="1" name="">
+          <a:extLst>
+            <a:ext uri="{FF2B5EF4-FFF2-40B4-BE49-F238E27FC236}">
+              <a16:creationId xmlns:a16="http://schemas.microsoft.com/office/drawing/2014/main" id="{04846559-8E24-2CFC-5457-ECD49B7797EA}"/>
+            </a:ext>
+          </a:extLst>
+        </p:cNvPr>
+        <p:cNvGrpSpPr/>
+        <p:nvPr/>
+      </p:nvGrpSpPr>
+      <p:grpSpPr>
+        <a:xfrm>
+          <a:off x="0" y="0"/>
+          <a:ext cx="0" cy="0"/>
+          <a:chOff x="0" y="0"/>
+          <a:chExt cx="0" cy="0"/>
+        </a:xfrm>
+      </p:grpSpPr>
+      <p:sp>
+        <p:nvSpPr>
+          <p:cNvPr id="2" name="Title 1">
+            <a:extLst>
+              <a:ext uri="{FF2B5EF4-FFF2-40B4-BE49-F238E27FC236}">
+                <a16:creationId xmlns:a16="http://schemas.microsoft.com/office/drawing/2014/main" id="{96C7384D-D86E-7BDC-EC9F-C7D38F088FB2}"/>
+              </a:ext>
+            </a:extLst>
+          </p:cNvPr>
+          <p:cNvSpPr>
+            <a:spLocks noGrp="1"/>
+          </p:cNvSpPr>
+          <p:nvPr>
+            <p:ph type="title"/>
+          </p:nvPr>
+        </p:nvSpPr>
+        <p:spPr/>
+        <p:txBody>
+          <a:bodyPr/>
+          <a:lstStyle/>
+          <a:p>
+            <a:r>
+              <a:rPr lang="en-US" dirty="0"/>
+              <a:t>Future improvements</a:t>
+            </a:r>
+          </a:p>
+        </p:txBody>
+      </p:sp>
+      <p:sp>
+        <p:nvSpPr>
+          <p:cNvPr id="3" name="Content Placeholder 2">
+            <a:extLst>
+              <a:ext uri="{FF2B5EF4-FFF2-40B4-BE49-F238E27FC236}">
+                <a16:creationId xmlns:a16="http://schemas.microsoft.com/office/drawing/2014/main" id="{3E62296A-AF24-8E1B-58F1-B6BD282D727C}"/>
+              </a:ext>
+            </a:extLst>
+          </p:cNvPr>
+          <p:cNvSpPr>
+            <a:spLocks noGrp="1"/>
+          </p:cNvSpPr>
+          <p:nvPr>
+            <p:ph idx="1"/>
+          </p:nvPr>
+        </p:nvSpPr>
+        <p:spPr/>
+        <p:txBody>
+          <a:bodyPr/>
+          <a:lstStyle/>
+          <a:p>
+            <a:pPr marL="0" indent="0">
+              <a:buNone/>
+            </a:pPr>
+            <a:r>
+              <a:rPr lang="en-US" dirty="0"/>
+              <a:t>Additional features could include:</a:t>
+            </a:r>
+          </a:p>
+          <a:p>
+            <a:pPr marL="0" indent="0">
+              <a:buNone/>
+            </a:pPr>
+            <a:r>
+              <a:rPr lang="en-US" dirty="0"/>
+              <a:t>A color change along with brightness change dependent on the room brightness </a:t>
+            </a:r>
+          </a:p>
+          <a:p>
+            <a:pPr marL="0" indent="0">
+              <a:buNone/>
+            </a:pPr>
+            <a:r>
+              <a:rPr lang="en-US" dirty="0"/>
+              <a:t>Having an on/off toggle and a color toggle (2 PIR </a:t>
+            </a:r>
+            <a:r>
+              <a:rPr lang="en-US"/>
+              <a:t>sensors)</a:t>
+            </a:r>
+          </a:p>
+          <a:p>
+            <a:pPr marL="0" indent="0">
+              <a:buNone/>
+            </a:pPr>
+            <a:endParaRPr lang="en-US" dirty="0"/>
+          </a:p>
+        </p:txBody>
+      </p:sp>
+    </p:spTree>
+    <p:extLst>
+      <p:ext uri="{BB962C8B-B14F-4D97-AF65-F5344CB8AC3E}">
+        <p14:creationId xmlns:p14="http://schemas.microsoft.com/office/powerpoint/2010/main" val="111617555"/>
       </p:ext>
     </p:extLst>
   </p:cSld>
